--- a/Water Quality Monitoring System Using IOT.pptx
+++ b/Water Quality Monitoring System Using IOT.pptx
@@ -7,13 +7,25 @@
   <p:sldIdLst>
     <p:sldId id="256" r:id="rId2"/>
     <p:sldId id="257" r:id="rId3"/>
-    <p:sldId id="258" r:id="rId4"/>
-    <p:sldId id="259" r:id="rId5"/>
-    <p:sldId id="260" r:id="rId6"/>
-    <p:sldId id="261" r:id="rId7"/>
-    <p:sldId id="262" r:id="rId8"/>
-    <p:sldId id="263" r:id="rId9"/>
-    <p:sldId id="264" r:id="rId10"/>
+    <p:sldId id="276" r:id="rId4"/>
+    <p:sldId id="258" r:id="rId5"/>
+    <p:sldId id="259" r:id="rId6"/>
+    <p:sldId id="260" r:id="rId7"/>
+    <p:sldId id="261" r:id="rId8"/>
+    <p:sldId id="262" r:id="rId9"/>
+    <p:sldId id="265" r:id="rId10"/>
+    <p:sldId id="273" r:id="rId11"/>
+    <p:sldId id="274" r:id="rId12"/>
+    <p:sldId id="275" r:id="rId13"/>
+    <p:sldId id="266" r:id="rId14"/>
+    <p:sldId id="267" r:id="rId15"/>
+    <p:sldId id="269" r:id="rId16"/>
+    <p:sldId id="268" r:id="rId17"/>
+    <p:sldId id="270" r:id="rId18"/>
+    <p:sldId id="271" r:id="rId19"/>
+    <p:sldId id="272" r:id="rId20"/>
+    <p:sldId id="263" r:id="rId21"/>
+    <p:sldId id="264" r:id="rId22"/>
   </p:sldIdLst>
   <p:sldSz cx="12192000" cy="6858000"/>
   <p:notesSz cx="6858000" cy="9144000"/>
@@ -309,7 +321,7 @@
             <a:fld id="{B61BEF0D-F0BB-DE4B-95CE-6DB70DBA9567}" type="datetimeFigureOut">
               <a:rPr lang="en-US" dirty="0"/>
               <a:pPr/>
-              <a:t>5/20/2022</a:t>
+              <a:t>7/5/2022</a:t>
             </a:fld>
             <a:endParaRPr lang="en-US" dirty="0"/>
           </a:p>
@@ -644,7 +656,7 @@
             <a:fld id="{B61BEF0D-F0BB-DE4B-95CE-6DB70DBA9567}" type="datetimeFigureOut">
               <a:rPr lang="en-US" dirty="0"/>
               <a:pPr/>
-              <a:t>5/20/2022</a:t>
+              <a:t>7/5/2022</a:t>
             </a:fld>
             <a:endParaRPr lang="en-US" dirty="0"/>
           </a:p>
@@ -1042,7 +1054,7 @@
             <a:fld id="{B61BEF0D-F0BB-DE4B-95CE-6DB70DBA9567}" type="datetimeFigureOut">
               <a:rPr lang="en-US" dirty="0"/>
               <a:pPr/>
-              <a:t>5/20/2022</a:t>
+              <a:t>7/5/2022</a:t>
             </a:fld>
             <a:endParaRPr lang="en-US" dirty="0"/>
           </a:p>
@@ -1375,7 +1387,7 @@
             <a:fld id="{B61BEF0D-F0BB-DE4B-95CE-6DB70DBA9567}" type="datetimeFigureOut">
               <a:rPr lang="en-US" dirty="0"/>
               <a:pPr/>
-              <a:t>5/20/2022</a:t>
+              <a:t>7/5/2022</a:t>
             </a:fld>
             <a:endParaRPr lang="en-US" dirty="0"/>
           </a:p>
@@ -1692,7 +1704,7 @@
             <a:fld id="{B61BEF0D-F0BB-DE4B-95CE-6DB70DBA9567}" type="datetimeFigureOut">
               <a:rPr lang="en-US" dirty="0"/>
               <a:pPr/>
-              <a:t>5/20/2022</a:t>
+              <a:t>7/5/2022</a:t>
             </a:fld>
             <a:endParaRPr lang="en-US" dirty="0"/>
           </a:p>
@@ -2085,7 +2097,7 @@
             <a:fld id="{B61BEF0D-F0BB-DE4B-95CE-6DB70DBA9567}" type="datetimeFigureOut">
               <a:rPr lang="en-US" dirty="0"/>
               <a:pPr/>
-              <a:t>5/20/2022</a:t>
+              <a:t>7/5/2022</a:t>
             </a:fld>
             <a:endParaRPr lang="en-US" dirty="0"/>
           </a:p>
@@ -2339,7 +2351,7 @@
             <a:fld id="{B61BEF0D-F0BB-DE4B-95CE-6DB70DBA9567}" type="datetimeFigureOut">
               <a:rPr lang="en-US" dirty="0"/>
               <a:pPr/>
-              <a:t>5/20/2022</a:t>
+              <a:t>7/5/2022</a:t>
             </a:fld>
             <a:endParaRPr lang="en-US" dirty="0"/>
           </a:p>
@@ -2598,7 +2610,7 @@
             <a:fld id="{B61BEF0D-F0BB-DE4B-95CE-6DB70DBA9567}" type="datetimeFigureOut">
               <a:rPr lang="en-US" dirty="0"/>
               <a:pPr/>
-              <a:t>5/20/2022</a:t>
+              <a:t>7/5/2022</a:t>
             </a:fld>
             <a:endParaRPr lang="en-US" dirty="0"/>
           </a:p>
@@ -2857,7 +2869,7 @@
             <a:fld id="{B61BEF0D-F0BB-DE4B-95CE-6DB70DBA9567}" type="datetimeFigureOut">
               <a:rPr lang="en-US" dirty="0"/>
               <a:pPr/>
-              <a:t>5/20/2022</a:t>
+              <a:t>7/5/2022</a:t>
             </a:fld>
             <a:endParaRPr lang="en-US" dirty="0"/>
           </a:p>
@@ -3183,7 +3195,7 @@
             <a:fld id="{B61BEF0D-F0BB-DE4B-95CE-6DB70DBA9567}" type="datetimeFigureOut">
               <a:rPr lang="en-US" dirty="0"/>
               <a:pPr/>
-              <a:t>5/20/2022</a:t>
+              <a:t>7/5/2022</a:t>
             </a:fld>
             <a:endParaRPr lang="en-US" dirty="0"/>
           </a:p>
@@ -3503,7 +3515,7 @@
             <a:fld id="{B61BEF0D-F0BB-DE4B-95CE-6DB70DBA9567}" type="datetimeFigureOut">
               <a:rPr lang="en-US" dirty="0"/>
               <a:pPr/>
-              <a:t>5/20/2022</a:t>
+              <a:t>7/5/2022</a:t>
             </a:fld>
             <a:endParaRPr lang="en-US" dirty="0"/>
           </a:p>
@@ -3957,7 +3969,7 @@
             <a:fld id="{B61BEF0D-F0BB-DE4B-95CE-6DB70DBA9567}" type="datetimeFigureOut">
               <a:rPr lang="en-US" dirty="0"/>
               <a:pPr/>
-              <a:t>5/20/2022</a:t>
+              <a:t>7/5/2022</a:t>
             </a:fld>
             <a:endParaRPr lang="en-US" dirty="0"/>
           </a:p>
@@ -4159,7 +4171,7 @@
             <a:fld id="{B61BEF0D-F0BB-DE4B-95CE-6DB70DBA9567}" type="datetimeFigureOut">
               <a:rPr lang="en-US" dirty="0"/>
               <a:pPr/>
-              <a:t>5/20/2022</a:t>
+              <a:t>7/5/2022</a:t>
             </a:fld>
             <a:endParaRPr lang="en-US" dirty="0"/>
           </a:p>
@@ -4333,7 +4345,7 @@
             <a:fld id="{B61BEF0D-F0BB-DE4B-95CE-6DB70DBA9567}" type="datetimeFigureOut">
               <a:rPr lang="en-US" dirty="0"/>
               <a:pPr/>
-              <a:t>5/20/2022</a:t>
+              <a:t>7/5/2022</a:t>
             </a:fld>
             <a:endParaRPr lang="en-US" dirty="0"/>
           </a:p>
@@ -4663,7 +4675,7 @@
             <a:fld id="{B61BEF0D-F0BB-DE4B-95CE-6DB70DBA9567}" type="datetimeFigureOut">
               <a:rPr lang="en-US" dirty="0"/>
               <a:pPr/>
-              <a:t>5/20/2022</a:t>
+              <a:t>7/5/2022</a:t>
             </a:fld>
             <a:endParaRPr lang="en-US" dirty="0"/>
           </a:p>
@@ -5005,7 +5017,7 @@
             <a:fld id="{B61BEF0D-F0BB-DE4B-95CE-6DB70DBA9567}" type="datetimeFigureOut">
               <a:rPr lang="en-US" dirty="0"/>
               <a:pPr/>
-              <a:t>5/20/2022</a:t>
+              <a:t>7/5/2022</a:t>
             </a:fld>
             <a:endParaRPr lang="en-US" dirty="0"/>
           </a:p>
@@ -7119,7 +7131,7 @@
             <a:fld id="{B61BEF0D-F0BB-DE4B-95CE-6DB70DBA9567}" type="datetimeFigureOut">
               <a:rPr lang="en-US" dirty="0"/>
               <a:pPr/>
-              <a:t>5/20/2022</a:t>
+              <a:t>7/5/2022</a:t>
             </a:fld>
             <a:endParaRPr lang="en-US" dirty="0"/>
           </a:p>
@@ -7727,6 +7739,683 @@
 </p:sld>
 </file>
 
+<file path=ppt/slides/slide10.xml><?xml version="1.0" encoding="utf-8"?>
+<p:sld xmlns:a="http://schemas.openxmlformats.org/drawingml/2006/main" xmlns:r="http://schemas.openxmlformats.org/officeDocument/2006/relationships" xmlns:p="http://schemas.openxmlformats.org/presentationml/2006/main">
+  <p:cSld>
+    <p:spTree>
+      <p:nvGrpSpPr>
+        <p:cNvPr id="1" name=""/>
+        <p:cNvGrpSpPr/>
+        <p:nvPr/>
+      </p:nvGrpSpPr>
+      <p:grpSpPr>
+        <a:xfrm>
+          <a:off x="0" y="0"/>
+          <a:ext cx="0" cy="0"/>
+          <a:chOff x="0" y="0"/>
+          <a:chExt cx="0" cy="0"/>
+        </a:xfrm>
+      </p:grpSpPr>
+      <p:sp>
+        <p:nvSpPr>
+          <p:cNvPr id="2" name="Title 1"/>
+          <p:cNvSpPr>
+            <a:spLocks noGrp="1"/>
+          </p:cNvSpPr>
+          <p:nvPr>
+            <p:ph type="title"/>
+          </p:nvPr>
+        </p:nvSpPr>
+        <p:spPr>
+          <a:xfrm>
+            <a:off x="2103528" y="624110"/>
+            <a:ext cx="8911687" cy="1280890"/>
+          </a:xfrm>
+        </p:spPr>
+        <p:txBody>
+          <a:bodyPr/>
+          <a:lstStyle/>
+          <a:p>
+            <a:r>
+              <a:rPr lang="en-IN" b="1" u="sng" dirty="0" smtClean="0">
+                <a:latin typeface="Times New Roman" panose="02020603050405020304" pitchFamily="18" charset="0"/>
+                <a:cs typeface="Times New Roman" panose="02020603050405020304" pitchFamily="18" charset="0"/>
+              </a:rPr>
+              <a:t>APPLICATIONS</a:t>
+            </a:r>
+            <a:endParaRPr lang="en-IN" b="1" u="sng" dirty="0">
+              <a:latin typeface="Times New Roman" panose="02020603050405020304" pitchFamily="18" charset="0"/>
+              <a:cs typeface="Times New Roman" panose="02020603050405020304" pitchFamily="18" charset="0"/>
+            </a:endParaRPr>
+          </a:p>
+        </p:txBody>
+      </p:sp>
+      <p:sp>
+        <p:nvSpPr>
+          <p:cNvPr id="3" name="Content Placeholder 2"/>
+          <p:cNvSpPr>
+            <a:spLocks noGrp="1"/>
+          </p:cNvSpPr>
+          <p:nvPr>
+            <p:ph idx="1"/>
+          </p:nvPr>
+        </p:nvSpPr>
+        <p:spPr>
+          <a:xfrm>
+            <a:off x="2103528" y="1878169"/>
+            <a:ext cx="8915400" cy="3777622"/>
+          </a:xfrm>
+        </p:spPr>
+        <p:txBody>
+          <a:bodyPr>
+            <a:normAutofit/>
+          </a:bodyPr>
+          <a:lstStyle/>
+          <a:p>
+            <a:r>
+              <a:rPr lang="en-IN" sz="2400" dirty="0" smtClean="0">
+                <a:latin typeface="Times New Roman" panose="02020603050405020304" pitchFamily="18" charset="0"/>
+                <a:cs typeface="Times New Roman" panose="02020603050405020304" pitchFamily="18" charset="0"/>
+              </a:rPr>
+              <a:t>For checking building’s water quality.</a:t>
+            </a:r>
+          </a:p>
+          <a:p>
+            <a:r>
+              <a:rPr lang="en-IN" sz="2400" dirty="0" smtClean="0">
+                <a:latin typeface="Times New Roman" panose="02020603050405020304" pitchFamily="18" charset="0"/>
+                <a:cs typeface="Times New Roman" panose="02020603050405020304" pitchFamily="18" charset="0"/>
+              </a:rPr>
+              <a:t>Remote area dam.</a:t>
+            </a:r>
+          </a:p>
+          <a:p>
+            <a:r>
+              <a:rPr lang="en-IN" sz="2400" dirty="0" smtClean="0">
+                <a:latin typeface="Times New Roman" panose="02020603050405020304" pitchFamily="18" charset="0"/>
+                <a:cs typeface="Times New Roman" panose="02020603050405020304" pitchFamily="18" charset="0"/>
+              </a:rPr>
+              <a:t>Water tank on high tower.</a:t>
+            </a:r>
+            <a:endParaRPr lang="en-IN" sz="2400" dirty="0">
+              <a:latin typeface="Times New Roman" panose="02020603050405020304" pitchFamily="18" charset="0"/>
+              <a:cs typeface="Times New Roman" panose="02020603050405020304" pitchFamily="18" charset="0"/>
+            </a:endParaRPr>
+          </a:p>
+        </p:txBody>
+      </p:sp>
+    </p:spTree>
+    <p:extLst>
+      <p:ext uri="{BB962C8B-B14F-4D97-AF65-F5344CB8AC3E}">
+        <p14:creationId xmlns:p14="http://schemas.microsoft.com/office/powerpoint/2010/main" val="2207640729"/>
+      </p:ext>
+    </p:extLst>
+  </p:cSld>
+  <p:clrMapOvr>
+    <a:masterClrMapping/>
+  </p:clrMapOvr>
+</p:sld>
+</file>
+
+<file path=ppt/slides/slide11.xml><?xml version="1.0" encoding="utf-8"?>
+<p:sld xmlns:a="http://schemas.openxmlformats.org/drawingml/2006/main" xmlns:r="http://schemas.openxmlformats.org/officeDocument/2006/relationships" xmlns:p="http://schemas.openxmlformats.org/presentationml/2006/main">
+  <p:cSld>
+    <p:spTree>
+      <p:nvGrpSpPr>
+        <p:cNvPr id="1" name=""/>
+        <p:cNvGrpSpPr/>
+        <p:nvPr/>
+      </p:nvGrpSpPr>
+      <p:grpSpPr>
+        <a:xfrm>
+          <a:off x="0" y="0"/>
+          <a:ext cx="0" cy="0"/>
+          <a:chOff x="0" y="0"/>
+          <a:chExt cx="0" cy="0"/>
+        </a:xfrm>
+      </p:grpSpPr>
+      <p:pic>
+        <p:nvPicPr>
+          <p:cNvPr id="4" name="Content Placeholder 3"/>
+          <p:cNvPicPr>
+            <a:picLocks noGrp="1" noChangeAspect="1"/>
+          </p:cNvPicPr>
+          <p:nvPr>
+            <p:ph idx="1"/>
+          </p:nvPr>
+        </p:nvPicPr>
+        <p:blipFill>
+          <a:blip r:embed="rId2">
+            <a:extLst>
+              <a:ext uri="{28A0092B-C50C-407E-A947-70E740481C1C}">
+                <a14:useLocalDpi xmlns:a14="http://schemas.microsoft.com/office/drawing/2010/main" val="0"/>
+              </a:ext>
+            </a:extLst>
+          </a:blip>
+          <a:stretch>
+            <a:fillRect/>
+          </a:stretch>
+        </p:blipFill>
+        <p:spPr>
+          <a:xfrm>
+            <a:off x="1828801" y="643942"/>
+            <a:ext cx="7727324" cy="5640947"/>
+          </a:xfrm>
+        </p:spPr>
+      </p:pic>
+    </p:spTree>
+    <p:extLst>
+      <p:ext uri="{BB962C8B-B14F-4D97-AF65-F5344CB8AC3E}">
+        <p14:creationId xmlns:p14="http://schemas.microsoft.com/office/powerpoint/2010/main" val="3480556066"/>
+      </p:ext>
+    </p:extLst>
+  </p:cSld>
+  <p:clrMapOvr>
+    <a:masterClrMapping/>
+  </p:clrMapOvr>
+</p:sld>
+</file>
+
+<file path=ppt/slides/slide12.xml><?xml version="1.0" encoding="utf-8"?>
+<p:sld xmlns:a="http://schemas.openxmlformats.org/drawingml/2006/main" xmlns:r="http://schemas.openxmlformats.org/officeDocument/2006/relationships" xmlns:p="http://schemas.openxmlformats.org/presentationml/2006/main">
+  <p:cSld>
+    <p:spTree>
+      <p:nvGrpSpPr>
+        <p:cNvPr id="1" name=""/>
+        <p:cNvGrpSpPr/>
+        <p:nvPr/>
+      </p:nvGrpSpPr>
+      <p:grpSpPr>
+        <a:xfrm>
+          <a:off x="0" y="0"/>
+          <a:ext cx="0" cy="0"/>
+          <a:chOff x="0" y="0"/>
+          <a:chExt cx="0" cy="0"/>
+        </a:xfrm>
+      </p:grpSpPr>
+      <p:sp>
+        <p:nvSpPr>
+          <p:cNvPr id="2" name="Title 1"/>
+          <p:cNvSpPr>
+            <a:spLocks noGrp="1"/>
+          </p:cNvSpPr>
+          <p:nvPr>
+            <p:ph type="title"/>
+          </p:nvPr>
+        </p:nvSpPr>
+        <p:spPr>
+          <a:xfrm>
+            <a:off x="2502773" y="2852155"/>
+            <a:ext cx="8911687" cy="1280890"/>
+          </a:xfrm>
+        </p:spPr>
+        <p:txBody>
+          <a:bodyPr/>
+          <a:lstStyle/>
+          <a:p>
+            <a:r>
+              <a:rPr lang="en-IN" dirty="0" smtClean="0">
+                <a:latin typeface="Times New Roman" panose="02020603050405020304" pitchFamily="18" charset="0"/>
+                <a:cs typeface="Times New Roman" panose="02020603050405020304" pitchFamily="18" charset="0"/>
+              </a:rPr>
+              <a:t>APPLICATION SCREENSHOT</a:t>
+            </a:r>
+            <a:endParaRPr lang="en-IN" dirty="0">
+              <a:latin typeface="Times New Roman" panose="02020603050405020304" pitchFamily="18" charset="0"/>
+              <a:cs typeface="Times New Roman" panose="02020603050405020304" pitchFamily="18" charset="0"/>
+            </a:endParaRPr>
+          </a:p>
+        </p:txBody>
+      </p:sp>
+    </p:spTree>
+    <p:extLst>
+      <p:ext uri="{BB962C8B-B14F-4D97-AF65-F5344CB8AC3E}">
+        <p14:creationId xmlns:p14="http://schemas.microsoft.com/office/powerpoint/2010/main" val="3775310032"/>
+      </p:ext>
+    </p:extLst>
+  </p:cSld>
+  <p:clrMapOvr>
+    <a:masterClrMapping/>
+  </p:clrMapOvr>
+</p:sld>
+</file>
+
+<file path=ppt/slides/slide13.xml><?xml version="1.0" encoding="utf-8"?>
+<p:sld xmlns:a="http://schemas.openxmlformats.org/drawingml/2006/main" xmlns:r="http://schemas.openxmlformats.org/officeDocument/2006/relationships" xmlns:p="http://schemas.openxmlformats.org/presentationml/2006/main">
+  <p:cSld>
+    <p:spTree>
+      <p:nvGrpSpPr>
+        <p:cNvPr id="1" name=""/>
+        <p:cNvGrpSpPr/>
+        <p:nvPr/>
+      </p:nvGrpSpPr>
+      <p:grpSpPr>
+        <a:xfrm>
+          <a:off x="0" y="0"/>
+          <a:ext cx="0" cy="0"/>
+          <a:chOff x="0" y="0"/>
+          <a:chExt cx="0" cy="0"/>
+        </a:xfrm>
+      </p:grpSpPr>
+      <p:sp>
+        <p:nvSpPr>
+          <p:cNvPr id="2" name="Title 1"/>
+          <p:cNvSpPr>
+            <a:spLocks noGrp="1"/>
+          </p:cNvSpPr>
+          <p:nvPr>
+            <p:ph type="title"/>
+          </p:nvPr>
+        </p:nvSpPr>
+        <p:spPr/>
+        <p:txBody>
+          <a:bodyPr/>
+          <a:lstStyle/>
+          <a:p>
+            <a:r>
+              <a:rPr lang="en-IN" b="1" u="sng" dirty="0" smtClean="0"/>
+              <a:t>screenshots</a:t>
+            </a:r>
+            <a:endParaRPr lang="en-IN" b="1" u="sng" dirty="0"/>
+          </a:p>
+        </p:txBody>
+      </p:sp>
+      <p:pic>
+        <p:nvPicPr>
+          <p:cNvPr id="4" name="Content Placeholder 3"/>
+          <p:cNvPicPr>
+            <a:picLocks noGrp="1" noChangeAspect="1"/>
+          </p:cNvPicPr>
+          <p:nvPr>
+            <p:ph idx="1"/>
+          </p:nvPr>
+        </p:nvPicPr>
+        <p:blipFill>
+          <a:blip r:embed="rId2">
+            <a:extLst>
+              <a:ext uri="{28A0092B-C50C-407E-A947-70E740481C1C}">
+                <a14:useLocalDpi xmlns:a14="http://schemas.microsoft.com/office/drawing/2010/main" val="0"/>
+              </a:ext>
+            </a:extLst>
+          </a:blip>
+          <a:stretch>
+            <a:fillRect/>
+          </a:stretch>
+        </p:blipFill>
+        <p:spPr>
+          <a:xfrm>
+            <a:off x="2498501" y="1506828"/>
+            <a:ext cx="3013657" cy="4572447"/>
+          </a:xfrm>
+        </p:spPr>
+      </p:pic>
+    </p:spTree>
+    <p:extLst>
+      <p:ext uri="{BB962C8B-B14F-4D97-AF65-F5344CB8AC3E}">
+        <p14:creationId xmlns:p14="http://schemas.microsoft.com/office/powerpoint/2010/main" val="2300550338"/>
+      </p:ext>
+    </p:extLst>
+  </p:cSld>
+  <p:clrMapOvr>
+    <a:masterClrMapping/>
+  </p:clrMapOvr>
+</p:sld>
+</file>
+
+<file path=ppt/slides/slide14.xml><?xml version="1.0" encoding="utf-8"?>
+<p:sld xmlns:a="http://schemas.openxmlformats.org/drawingml/2006/main" xmlns:r="http://schemas.openxmlformats.org/officeDocument/2006/relationships" xmlns:p="http://schemas.openxmlformats.org/presentationml/2006/main">
+  <p:cSld>
+    <p:spTree>
+      <p:nvGrpSpPr>
+        <p:cNvPr id="1" name=""/>
+        <p:cNvGrpSpPr/>
+        <p:nvPr/>
+      </p:nvGrpSpPr>
+      <p:grpSpPr>
+        <a:xfrm>
+          <a:off x="0" y="0"/>
+          <a:ext cx="0" cy="0"/>
+          <a:chOff x="0" y="0"/>
+          <a:chExt cx="0" cy="0"/>
+        </a:xfrm>
+      </p:grpSpPr>
+      <p:pic>
+        <p:nvPicPr>
+          <p:cNvPr id="4" name="Content Placeholder 3"/>
+          <p:cNvPicPr>
+            <a:picLocks noGrp="1" noChangeAspect="1"/>
+          </p:cNvPicPr>
+          <p:nvPr>
+            <p:ph idx="1"/>
+          </p:nvPr>
+        </p:nvPicPr>
+        <p:blipFill>
+          <a:blip r:embed="rId2">
+            <a:extLst>
+              <a:ext uri="{28A0092B-C50C-407E-A947-70E740481C1C}">
+                <a14:useLocalDpi xmlns:a14="http://schemas.microsoft.com/office/drawing/2010/main" val="0"/>
+              </a:ext>
+            </a:extLst>
+          </a:blip>
+          <a:stretch>
+            <a:fillRect/>
+          </a:stretch>
+        </p:blipFill>
+        <p:spPr>
+          <a:xfrm>
+            <a:off x="2781835" y="888642"/>
+            <a:ext cx="3464417" cy="4585326"/>
+          </a:xfrm>
+        </p:spPr>
+      </p:pic>
+    </p:spTree>
+    <p:extLst>
+      <p:ext uri="{BB962C8B-B14F-4D97-AF65-F5344CB8AC3E}">
+        <p14:creationId xmlns:p14="http://schemas.microsoft.com/office/powerpoint/2010/main" val="3572680378"/>
+      </p:ext>
+    </p:extLst>
+  </p:cSld>
+  <p:clrMapOvr>
+    <a:masterClrMapping/>
+  </p:clrMapOvr>
+</p:sld>
+</file>
+
+<file path=ppt/slides/slide15.xml><?xml version="1.0" encoding="utf-8"?>
+<p:sld xmlns:a="http://schemas.openxmlformats.org/drawingml/2006/main" xmlns:r="http://schemas.openxmlformats.org/officeDocument/2006/relationships" xmlns:p="http://schemas.openxmlformats.org/presentationml/2006/main">
+  <p:cSld>
+    <p:spTree>
+      <p:nvGrpSpPr>
+        <p:cNvPr id="1" name=""/>
+        <p:cNvGrpSpPr/>
+        <p:nvPr/>
+      </p:nvGrpSpPr>
+      <p:grpSpPr>
+        <a:xfrm>
+          <a:off x="0" y="0"/>
+          <a:ext cx="0" cy="0"/>
+          <a:chOff x="0" y="0"/>
+          <a:chExt cx="0" cy="0"/>
+        </a:xfrm>
+      </p:grpSpPr>
+      <p:pic>
+        <p:nvPicPr>
+          <p:cNvPr id="4" name="Content Placeholder 3"/>
+          <p:cNvPicPr>
+            <a:picLocks noGrp="1" noChangeAspect="1"/>
+          </p:cNvPicPr>
+          <p:nvPr>
+            <p:ph idx="1"/>
+          </p:nvPr>
+        </p:nvPicPr>
+        <p:blipFill>
+          <a:blip r:embed="rId2">
+            <a:extLst>
+              <a:ext uri="{28A0092B-C50C-407E-A947-70E740481C1C}">
+                <a14:useLocalDpi xmlns:a14="http://schemas.microsoft.com/office/drawing/2010/main" val="0"/>
+              </a:ext>
+            </a:extLst>
+          </a:blip>
+          <a:stretch>
+            <a:fillRect/>
+          </a:stretch>
+        </p:blipFill>
+        <p:spPr>
+          <a:xfrm>
+            <a:off x="3350576" y="631065"/>
+            <a:ext cx="3166134" cy="5756856"/>
+          </a:xfrm>
+        </p:spPr>
+      </p:pic>
+    </p:spTree>
+    <p:extLst>
+      <p:ext uri="{BB962C8B-B14F-4D97-AF65-F5344CB8AC3E}">
+        <p14:creationId xmlns:p14="http://schemas.microsoft.com/office/powerpoint/2010/main" val="2241689795"/>
+      </p:ext>
+    </p:extLst>
+  </p:cSld>
+  <p:clrMapOvr>
+    <a:masterClrMapping/>
+  </p:clrMapOvr>
+</p:sld>
+</file>
+
+<file path=ppt/slides/slide16.xml><?xml version="1.0" encoding="utf-8"?>
+<p:sld xmlns:a="http://schemas.openxmlformats.org/drawingml/2006/main" xmlns:r="http://schemas.openxmlformats.org/officeDocument/2006/relationships" xmlns:p="http://schemas.openxmlformats.org/presentationml/2006/main">
+  <p:cSld>
+    <p:spTree>
+      <p:nvGrpSpPr>
+        <p:cNvPr id="1" name=""/>
+        <p:cNvGrpSpPr/>
+        <p:nvPr/>
+      </p:nvGrpSpPr>
+      <p:grpSpPr>
+        <a:xfrm>
+          <a:off x="0" y="0"/>
+          <a:ext cx="0" cy="0"/>
+          <a:chOff x="0" y="0"/>
+          <a:chExt cx="0" cy="0"/>
+        </a:xfrm>
+      </p:grpSpPr>
+      <p:pic>
+        <p:nvPicPr>
+          <p:cNvPr id="3" name="Content Placeholder 2"/>
+          <p:cNvPicPr>
+            <a:picLocks noGrp="1" noChangeAspect="1"/>
+          </p:cNvPicPr>
+          <p:nvPr>
+            <p:ph idx="1"/>
+          </p:nvPr>
+        </p:nvPicPr>
+        <p:blipFill>
+          <a:blip r:embed="rId2">
+            <a:extLst>
+              <a:ext uri="{28A0092B-C50C-407E-A947-70E740481C1C}">
+                <a14:useLocalDpi xmlns:a14="http://schemas.microsoft.com/office/drawing/2010/main" val="0"/>
+              </a:ext>
+            </a:extLst>
+          </a:blip>
+          <a:stretch>
+            <a:fillRect/>
+          </a:stretch>
+        </p:blipFill>
+        <p:spPr>
+          <a:xfrm>
+            <a:off x="2987899" y="437882"/>
+            <a:ext cx="3953814" cy="5731098"/>
+          </a:xfrm>
+        </p:spPr>
+      </p:pic>
+    </p:spTree>
+    <p:extLst>
+      <p:ext uri="{BB962C8B-B14F-4D97-AF65-F5344CB8AC3E}">
+        <p14:creationId xmlns:p14="http://schemas.microsoft.com/office/powerpoint/2010/main" val="1528700222"/>
+      </p:ext>
+    </p:extLst>
+  </p:cSld>
+  <p:clrMapOvr>
+    <a:masterClrMapping/>
+  </p:clrMapOvr>
+</p:sld>
+</file>
+
+<file path=ppt/slides/slide17.xml><?xml version="1.0" encoding="utf-8"?>
+<p:sld xmlns:a="http://schemas.openxmlformats.org/drawingml/2006/main" xmlns:r="http://schemas.openxmlformats.org/officeDocument/2006/relationships" xmlns:p="http://schemas.openxmlformats.org/presentationml/2006/main">
+  <p:cSld>
+    <p:spTree>
+      <p:nvGrpSpPr>
+        <p:cNvPr id="1" name=""/>
+        <p:cNvGrpSpPr/>
+        <p:nvPr/>
+      </p:nvGrpSpPr>
+      <p:grpSpPr>
+        <a:xfrm>
+          <a:off x="0" y="0"/>
+          <a:ext cx="0" cy="0"/>
+          <a:chOff x="0" y="0"/>
+          <a:chExt cx="0" cy="0"/>
+        </a:xfrm>
+      </p:grpSpPr>
+      <p:pic>
+        <p:nvPicPr>
+          <p:cNvPr id="6" name="Content Placeholder 5"/>
+          <p:cNvPicPr>
+            <a:picLocks noGrp="1" noChangeAspect="1"/>
+          </p:cNvPicPr>
+          <p:nvPr>
+            <p:ph idx="1"/>
+          </p:nvPr>
+        </p:nvPicPr>
+        <p:blipFill>
+          <a:blip r:embed="rId2">
+            <a:extLst>
+              <a:ext uri="{28A0092B-C50C-407E-A947-70E740481C1C}">
+                <a14:useLocalDpi xmlns:a14="http://schemas.microsoft.com/office/drawing/2010/main" val="0"/>
+              </a:ext>
+            </a:extLst>
+          </a:blip>
+          <a:stretch>
+            <a:fillRect/>
+          </a:stretch>
+        </p:blipFill>
+        <p:spPr>
+          <a:xfrm>
+            <a:off x="2089003" y="1566929"/>
+            <a:ext cx="8396111" cy="3867955"/>
+          </a:xfrm>
+        </p:spPr>
+      </p:pic>
+    </p:spTree>
+    <p:extLst>
+      <p:ext uri="{BB962C8B-B14F-4D97-AF65-F5344CB8AC3E}">
+        <p14:creationId xmlns:p14="http://schemas.microsoft.com/office/powerpoint/2010/main" val="41521118"/>
+      </p:ext>
+    </p:extLst>
+  </p:cSld>
+  <p:clrMapOvr>
+    <a:masterClrMapping/>
+  </p:clrMapOvr>
+</p:sld>
+</file>
+
+<file path=ppt/slides/slide18.xml><?xml version="1.0" encoding="utf-8"?>
+<p:sld xmlns:a="http://schemas.openxmlformats.org/drawingml/2006/main" xmlns:r="http://schemas.openxmlformats.org/officeDocument/2006/relationships" xmlns:p="http://schemas.openxmlformats.org/presentationml/2006/main">
+  <p:cSld>
+    <p:spTree>
+      <p:nvGrpSpPr>
+        <p:cNvPr id="1" name=""/>
+        <p:cNvGrpSpPr/>
+        <p:nvPr/>
+      </p:nvGrpSpPr>
+      <p:grpSpPr>
+        <a:xfrm>
+          <a:off x="0" y="0"/>
+          <a:ext cx="0" cy="0"/>
+          <a:chOff x="0" y="0"/>
+          <a:chExt cx="0" cy="0"/>
+        </a:xfrm>
+      </p:grpSpPr>
+      <p:pic>
+        <p:nvPicPr>
+          <p:cNvPr id="3" name="Content Placeholder 2"/>
+          <p:cNvPicPr>
+            <a:picLocks noGrp="1" noChangeAspect="1"/>
+          </p:cNvPicPr>
+          <p:nvPr>
+            <p:ph idx="1"/>
+          </p:nvPr>
+        </p:nvPicPr>
+        <p:blipFill>
+          <a:blip r:embed="rId2">
+            <a:extLst>
+              <a:ext uri="{28A0092B-C50C-407E-A947-70E740481C1C}">
+                <a14:useLocalDpi xmlns:a14="http://schemas.microsoft.com/office/drawing/2010/main" val="0"/>
+              </a:ext>
+            </a:extLst>
+          </a:blip>
+          <a:stretch>
+            <a:fillRect/>
+          </a:stretch>
+        </p:blipFill>
+        <p:spPr>
+          <a:xfrm>
+            <a:off x="2089004" y="1180563"/>
+            <a:ext cx="8396111" cy="3778250"/>
+          </a:xfrm>
+        </p:spPr>
+      </p:pic>
+    </p:spTree>
+    <p:extLst>
+      <p:ext uri="{BB962C8B-B14F-4D97-AF65-F5344CB8AC3E}">
+        <p14:creationId xmlns:p14="http://schemas.microsoft.com/office/powerpoint/2010/main" val="3455879502"/>
+      </p:ext>
+    </p:extLst>
+  </p:cSld>
+  <p:clrMapOvr>
+    <a:masterClrMapping/>
+  </p:clrMapOvr>
+</p:sld>
+</file>
+
+<file path=ppt/slides/slide19.xml><?xml version="1.0" encoding="utf-8"?>
+<p:sld xmlns:a="http://schemas.openxmlformats.org/drawingml/2006/main" xmlns:r="http://schemas.openxmlformats.org/officeDocument/2006/relationships" xmlns:p="http://schemas.openxmlformats.org/presentationml/2006/main">
+  <p:cSld>
+    <p:spTree>
+      <p:nvGrpSpPr>
+        <p:cNvPr id="1" name=""/>
+        <p:cNvGrpSpPr/>
+        <p:nvPr/>
+      </p:nvGrpSpPr>
+      <p:grpSpPr>
+        <a:xfrm>
+          <a:off x="0" y="0"/>
+          <a:ext cx="0" cy="0"/>
+          <a:chOff x="0" y="0"/>
+          <a:chExt cx="0" cy="0"/>
+        </a:xfrm>
+      </p:grpSpPr>
+      <p:pic>
+        <p:nvPicPr>
+          <p:cNvPr id="3" name="Content Placeholder 2"/>
+          <p:cNvPicPr>
+            <a:picLocks noGrp="1" noChangeAspect="1"/>
+          </p:cNvPicPr>
+          <p:nvPr>
+            <p:ph idx="1"/>
+          </p:nvPr>
+        </p:nvPicPr>
+        <p:blipFill>
+          <a:blip r:embed="rId2">
+            <a:extLst>
+              <a:ext uri="{28A0092B-C50C-407E-A947-70E740481C1C}">
+                <a14:useLocalDpi xmlns:a14="http://schemas.microsoft.com/office/drawing/2010/main" val="0"/>
+              </a:ext>
+            </a:extLst>
+          </a:blip>
+          <a:stretch>
+            <a:fillRect/>
+          </a:stretch>
+        </p:blipFill>
+        <p:spPr>
+          <a:xfrm>
+            <a:off x="2179155" y="1000259"/>
+            <a:ext cx="8396111" cy="3778250"/>
+          </a:xfrm>
+        </p:spPr>
+      </p:pic>
+    </p:spTree>
+    <p:extLst>
+      <p:ext uri="{BB962C8B-B14F-4D97-AF65-F5344CB8AC3E}">
+        <p14:creationId xmlns:p14="http://schemas.microsoft.com/office/powerpoint/2010/main" val="4172648490"/>
+      </p:ext>
+    </p:extLst>
+  </p:cSld>
+  <p:clrMapOvr>
+    <a:masterClrMapping/>
+  </p:clrMapOvr>
+</p:sld>
+</file>
+
 <file path=ppt/slides/slide2.xml><?xml version="1.0" encoding="utf-8"?>
 <p:sld xmlns:a="http://schemas.openxmlformats.org/drawingml/2006/main" xmlns:r="http://schemas.openxmlformats.org/officeDocument/2006/relationships" xmlns:p="http://schemas.openxmlformats.org/presentationml/2006/main">
   <p:cSld>
@@ -7897,6 +8586,204 @@
     <p:extLst>
       <p:ext uri="{BB962C8B-B14F-4D97-AF65-F5344CB8AC3E}">
         <p14:creationId xmlns:p14="http://schemas.microsoft.com/office/powerpoint/2010/main" val="4104956690"/>
+      </p:ext>
+    </p:extLst>
+  </p:cSld>
+  <p:clrMapOvr>
+    <a:masterClrMapping/>
+  </p:clrMapOvr>
+</p:sld>
+</file>
+
+<file path=ppt/slides/slide20.xml><?xml version="1.0" encoding="utf-8"?>
+<p:sld xmlns:a="http://schemas.openxmlformats.org/drawingml/2006/main" xmlns:r="http://schemas.openxmlformats.org/officeDocument/2006/relationships" xmlns:p="http://schemas.openxmlformats.org/presentationml/2006/main">
+  <p:cSld>
+    <p:spTree>
+      <p:nvGrpSpPr>
+        <p:cNvPr id="1" name=""/>
+        <p:cNvGrpSpPr/>
+        <p:nvPr/>
+      </p:nvGrpSpPr>
+      <p:grpSpPr>
+        <a:xfrm>
+          <a:off x="0" y="0"/>
+          <a:ext cx="0" cy="0"/>
+          <a:chOff x="0" y="0"/>
+          <a:chExt cx="0" cy="0"/>
+        </a:xfrm>
+      </p:grpSpPr>
+      <p:sp>
+        <p:nvSpPr>
+          <p:cNvPr id="2" name="Title 1"/>
+          <p:cNvSpPr>
+            <a:spLocks noGrp="1"/>
+          </p:cNvSpPr>
+          <p:nvPr>
+            <p:ph type="title"/>
+          </p:nvPr>
+        </p:nvSpPr>
+        <p:spPr>
+          <a:xfrm>
+            <a:off x="1807314" y="482442"/>
+            <a:ext cx="8911687" cy="1280890"/>
+          </a:xfrm>
+        </p:spPr>
+        <p:txBody>
+          <a:bodyPr/>
+          <a:lstStyle/>
+          <a:p>
+            <a:r>
+              <a:rPr lang="en-IN" b="1" u="sng" dirty="0" smtClean="0"/>
+              <a:t>REFERENCE</a:t>
+            </a:r>
+            <a:endParaRPr lang="en-IN" b="1" u="sng" dirty="0"/>
+          </a:p>
+        </p:txBody>
+      </p:sp>
+      <p:sp>
+        <p:nvSpPr>
+          <p:cNvPr id="3" name="Content Placeholder 2"/>
+          <p:cNvSpPr>
+            <a:spLocks noGrp="1"/>
+          </p:cNvSpPr>
+          <p:nvPr>
+            <p:ph idx="1"/>
+          </p:nvPr>
+        </p:nvSpPr>
+        <p:spPr>
+          <a:xfrm>
+            <a:off x="1807314" y="2069206"/>
+            <a:ext cx="8915400" cy="3777622"/>
+          </a:xfrm>
+        </p:spPr>
+        <p:txBody>
+          <a:bodyPr/>
+          <a:lstStyle/>
+          <a:p>
+            <a:r>
+              <a:rPr lang="en-IN" dirty="0" smtClean="0"/>
+              <a:t>International Journal of scientific Research in computer science for </a:t>
+            </a:r>
+            <a:r>
+              <a:rPr lang="en-IN" dirty="0" err="1" smtClean="0"/>
+              <a:t>Iot</a:t>
+            </a:r>
+            <a:r>
+              <a:rPr lang="en-IN" dirty="0" smtClean="0"/>
+              <a:t> based water quality monitoring system,2018</a:t>
+            </a:r>
+          </a:p>
+          <a:p>
+            <a:r>
+              <a:rPr lang="en-IN" dirty="0" smtClean="0"/>
+              <a:t>R.M. </a:t>
+            </a:r>
+            <a:r>
+              <a:rPr lang="en-IN" dirty="0" err="1" smtClean="0"/>
+              <a:t>Bhardwaj,”Overview</a:t>
+            </a:r>
+            <a:r>
+              <a:rPr lang="en-IN" dirty="0" smtClean="0"/>
+              <a:t> of Ganga river </a:t>
+            </a:r>
+            <a:r>
+              <a:rPr lang="en-IN" dirty="0" err="1" smtClean="0"/>
+              <a:t>pollution”,Delhi</a:t>
+            </a:r>
+            <a:r>
+              <a:rPr lang="en-IN" dirty="0" smtClean="0"/>
+              <a:t> 2011</a:t>
+            </a:r>
+          </a:p>
+          <a:p>
+            <a:r>
+              <a:rPr lang="en-IN" dirty="0" smtClean="0"/>
+              <a:t>“Literature survey on wireless sensor </a:t>
+            </a:r>
+            <a:r>
+              <a:rPr lang="en-IN" dirty="0" err="1" smtClean="0"/>
+              <a:t>network”,University</a:t>
+            </a:r>
+            <a:r>
+              <a:rPr lang="en-IN" dirty="0" smtClean="0"/>
+              <a:t> of Maryland,16 </a:t>
+            </a:r>
+            <a:r>
+              <a:rPr lang="en-IN" dirty="0" err="1" smtClean="0"/>
+              <a:t>july</a:t>
+            </a:r>
+            <a:r>
+              <a:rPr lang="en-IN" dirty="0" smtClean="0"/>
+              <a:t> 2003</a:t>
+            </a:r>
+          </a:p>
+          <a:p>
+            <a:endParaRPr lang="en-IN" dirty="0"/>
+          </a:p>
+        </p:txBody>
+      </p:sp>
+    </p:spTree>
+    <p:extLst>
+      <p:ext uri="{BB962C8B-B14F-4D97-AF65-F5344CB8AC3E}">
+        <p14:creationId xmlns:p14="http://schemas.microsoft.com/office/powerpoint/2010/main" val="881636709"/>
+      </p:ext>
+    </p:extLst>
+  </p:cSld>
+  <p:clrMapOvr>
+    <a:masterClrMapping/>
+  </p:clrMapOvr>
+</p:sld>
+</file>
+
+<file path=ppt/slides/slide21.xml><?xml version="1.0" encoding="utf-8"?>
+<p:sld xmlns:a="http://schemas.openxmlformats.org/drawingml/2006/main" xmlns:r="http://schemas.openxmlformats.org/officeDocument/2006/relationships" xmlns:p="http://schemas.openxmlformats.org/presentationml/2006/main">
+  <p:cSld>
+    <p:spTree>
+      <p:nvGrpSpPr>
+        <p:cNvPr id="1" name=""/>
+        <p:cNvGrpSpPr/>
+        <p:nvPr/>
+      </p:nvGrpSpPr>
+      <p:grpSpPr>
+        <a:xfrm>
+          <a:off x="0" y="0"/>
+          <a:ext cx="0" cy="0"/>
+          <a:chOff x="0" y="0"/>
+          <a:chExt cx="0" cy="0"/>
+        </a:xfrm>
+      </p:grpSpPr>
+      <p:sp>
+        <p:nvSpPr>
+          <p:cNvPr id="3" name="Content Placeholder 2"/>
+          <p:cNvSpPr>
+            <a:spLocks noGrp="1"/>
+          </p:cNvSpPr>
+          <p:nvPr>
+            <p:ph idx="1"/>
+          </p:nvPr>
+        </p:nvSpPr>
+        <p:spPr/>
+        <p:txBody>
+          <a:bodyPr>
+            <a:normAutofit/>
+          </a:bodyPr>
+          <a:lstStyle/>
+          <a:p>
+            <a:pPr marL="0" indent="0">
+              <a:buNone/>
+            </a:pPr>
+            <a:r>
+              <a:rPr lang="en-IN" sz="8000" dirty="0" smtClean="0"/>
+              <a:t>THANKYOU</a:t>
+            </a:r>
+            <a:endParaRPr lang="en-IN" sz="8000" dirty="0"/>
+          </a:p>
+        </p:txBody>
+      </p:sp>
+    </p:spTree>
+    <p:extLst>
+      <p:ext uri="{BB962C8B-B14F-4D97-AF65-F5344CB8AC3E}">
+        <p14:creationId xmlns:p14="http://schemas.microsoft.com/office/powerpoint/2010/main" val="1623033629"/>
       </p:ext>
     </p:extLst>
   </p:cSld>
@@ -7925,18 +8812,18 @@
       </p:grpSpPr>
       <p:sp>
         <p:nvSpPr>
-          <p:cNvPr id="2" name="Title 1"/>
-          <p:cNvSpPr>
-            <a:spLocks noGrp="1"/>
-          </p:cNvSpPr>
-          <p:nvPr>
-            <p:ph type="title"/>
+          <p:cNvPr id="3" name="Content Placeholder 2"/>
+          <p:cNvSpPr>
+            <a:spLocks noGrp="1"/>
+          </p:cNvSpPr>
+          <p:nvPr>
+            <p:ph idx="1"/>
           </p:nvPr>
         </p:nvSpPr>
         <p:spPr>
           <a:xfrm>
-            <a:off x="1627009" y="675626"/>
-            <a:ext cx="8911687" cy="1280890"/>
+            <a:off x="1249808" y="1412383"/>
+            <a:ext cx="9336625" cy="4692203"/>
           </a:xfrm>
         </p:spPr>
         <p:txBody>
@@ -7946,75 +8833,67 @@
           <a:lstStyle/>
           <a:p>
             <a:r>
-              <a:rPr lang="en-IN" sz="3200" b="1" u="sng" dirty="0" smtClean="0">
+              <a:rPr lang="en-IN" sz="2400" dirty="0" smtClean="0">
                 <a:latin typeface="Times New Roman" panose="02020603050405020304" pitchFamily="18" charset="0"/>
                 <a:cs typeface="Times New Roman" panose="02020603050405020304" pitchFamily="18" charset="0"/>
               </a:rPr>
-              <a:t>OBJECTIVE</a:t>
-            </a:r>
-            <a:endParaRPr lang="en-IN" sz="3200" b="1" u="sng" dirty="0">
-              <a:latin typeface="Times New Roman" panose="02020603050405020304" pitchFamily="18" charset="0"/>
-              <a:cs typeface="Times New Roman" panose="02020603050405020304" pitchFamily="18" charset="0"/>
-            </a:endParaRPr>
-          </a:p>
-        </p:txBody>
-      </p:sp>
-      <p:sp>
-        <p:nvSpPr>
-          <p:cNvPr id="3" name="Content Placeholder 2"/>
-          <p:cNvSpPr>
-            <a:spLocks noGrp="1"/>
-          </p:cNvSpPr>
-          <p:nvPr>
-            <p:ph idx="1"/>
-          </p:nvPr>
-        </p:nvSpPr>
-        <p:spPr>
-          <a:xfrm>
-            <a:off x="1404356" y="1956516"/>
-            <a:ext cx="8915400" cy="3777622"/>
-          </a:xfrm>
-        </p:spPr>
-        <p:txBody>
-          <a:bodyPr>
-            <a:normAutofit/>
-          </a:bodyPr>
-          <a:lstStyle/>
-          <a:p>
-            <a:pPr algn="just"/>
-            <a:r>
-              <a:rPr lang="en-IN" sz="2400" dirty="0">
-                <a:solidFill>
-                  <a:srgbClr val="000000"/>
-                </a:solidFill>
+              <a:t>The conventional method of testing water quality is to gather samples of water manually and send to the lab to test and analyse. This method is time consuming, wastage of man power, and not economical. </a:t>
+            </a:r>
+          </a:p>
+          <a:p>
+            <a:r>
+              <a:rPr lang="en-IN" sz="2400" dirty="0" smtClean="0">
                 <a:latin typeface="Times New Roman" panose="02020603050405020304" pitchFamily="18" charset="0"/>
-                <a:ea typeface="Sylfaen" panose="010A0502050306030303" pitchFamily="18" charset="0"/>
                 <a:cs typeface="Times New Roman" panose="02020603050405020304" pitchFamily="18" charset="0"/>
               </a:rPr>
-              <a:t>The system is designed for continuous onsite sensing and real time reporting of water quality data where the officials can access the data on the smart phone/PC through </a:t>
-            </a:r>
+              <a:t>The water quality measuring system that we have implemented checks the quality of water in real time through various sensor.</a:t>
+            </a:r>
+          </a:p>
+          <a:p>
             <a:r>
               <a:rPr lang="en-IN" sz="2400" dirty="0" smtClean="0">
-                <a:solidFill>
-                  <a:srgbClr val="000000"/>
-                </a:solidFill>
                 <a:latin typeface="Times New Roman" panose="02020603050405020304" pitchFamily="18" charset="0"/>
-                <a:ea typeface="Sylfaen" panose="010A0502050306030303" pitchFamily="18" charset="0"/>
                 <a:cs typeface="Times New Roman" panose="02020603050405020304" pitchFamily="18" charset="0"/>
               </a:rPr>
-              <a:t>Internet.</a:t>
+              <a:t>The variation in the value of this parameter points towards the presence of pollutants.</a:t>
+            </a:r>
+          </a:p>
+          <a:p>
+            <a:r>
+              <a:rPr lang="en-IN" sz="2400" dirty="0" smtClean="0">
+                <a:latin typeface="Times New Roman" panose="02020603050405020304" pitchFamily="18" charset="0"/>
+                <a:cs typeface="Times New Roman" panose="02020603050405020304" pitchFamily="18" charset="0"/>
+              </a:rPr>
+              <a:t>The </a:t>
+            </a:r>
+            <a:r>
+              <a:rPr lang="en-IN" sz="2400" dirty="0" err="1" smtClean="0">
+                <a:latin typeface="Times New Roman" panose="02020603050405020304" pitchFamily="18" charset="0"/>
+                <a:cs typeface="Times New Roman" panose="02020603050405020304" pitchFamily="18" charset="0"/>
+              </a:rPr>
+              <a:t>wifi</a:t>
+            </a:r>
+            <a:r>
+              <a:rPr lang="en-IN" sz="2400" dirty="0" smtClean="0">
+                <a:latin typeface="Times New Roman" panose="02020603050405020304" pitchFamily="18" charset="0"/>
+                <a:cs typeface="Times New Roman" panose="02020603050405020304" pitchFamily="18" charset="0"/>
+              </a:rPr>
+              <a:t> module in the system transfers data collected by the sensors to the microcontroller, and transfer the data to the smart phone/pc.</a:t>
             </a:r>
             <a:endParaRPr lang="en-IN" sz="2400" dirty="0">
               <a:latin typeface="Times New Roman" panose="02020603050405020304" pitchFamily="18" charset="0"/>
               <a:cs typeface="Times New Roman" panose="02020603050405020304" pitchFamily="18" charset="0"/>
             </a:endParaRPr>
           </a:p>
+          <a:p>
+            <a:endParaRPr lang="en-IN" dirty="0"/>
+          </a:p>
         </p:txBody>
       </p:sp>
     </p:spTree>
     <p:extLst>
       <p:ext uri="{BB962C8B-B14F-4D97-AF65-F5344CB8AC3E}">
-        <p14:creationId xmlns:p14="http://schemas.microsoft.com/office/powerpoint/2010/main" val="1769852829"/>
+        <p14:creationId xmlns:p14="http://schemas.microsoft.com/office/powerpoint/2010/main" val="3859174790"/>
       </p:ext>
     </p:extLst>
   </p:cSld>
@@ -8053,42 +8932,8 @@
         </p:nvSpPr>
         <p:spPr>
           <a:xfrm>
-            <a:off x="1627009" y="572594"/>
+            <a:off x="1627009" y="675626"/>
             <a:ext cx="8911687" cy="1280890"/>
-          </a:xfrm>
-        </p:spPr>
-        <p:txBody>
-          <a:bodyPr/>
-          <a:lstStyle/>
-          <a:p>
-            <a:r>
-              <a:rPr lang="en-IN" b="1" u="sng" dirty="0" smtClean="0">
-                <a:latin typeface="Times New Roman" panose="02020603050405020304" pitchFamily="18" charset="0"/>
-                <a:cs typeface="Times New Roman" panose="02020603050405020304" pitchFamily="18" charset="0"/>
-              </a:rPr>
-              <a:t>PROPOSED SYSTEM</a:t>
-            </a:r>
-            <a:endParaRPr lang="en-IN" b="1" u="sng" dirty="0">
-              <a:latin typeface="Times New Roman" panose="02020603050405020304" pitchFamily="18" charset="0"/>
-              <a:cs typeface="Times New Roman" panose="02020603050405020304" pitchFamily="18" charset="0"/>
-            </a:endParaRPr>
-          </a:p>
-        </p:txBody>
-      </p:sp>
-      <p:sp>
-        <p:nvSpPr>
-          <p:cNvPr id="3" name="Content Placeholder 2"/>
-          <p:cNvSpPr>
-            <a:spLocks noGrp="1"/>
-          </p:cNvSpPr>
-          <p:nvPr>
-            <p:ph idx="1"/>
-          </p:nvPr>
-        </p:nvSpPr>
-        <p:spPr>
-          <a:xfrm>
-            <a:off x="1198293" y="1451020"/>
-            <a:ext cx="8915400" cy="3777622"/>
           </a:xfrm>
         </p:spPr>
         <p:txBody>
@@ -8097,6 +8942,54 @@
           </a:bodyPr>
           <a:lstStyle/>
           <a:p>
+            <a:r>
+              <a:rPr lang="en-IN" sz="3200" b="1" u="sng" dirty="0" smtClean="0">
+                <a:latin typeface="Times New Roman" panose="02020603050405020304" pitchFamily="18" charset="0"/>
+                <a:cs typeface="Times New Roman" panose="02020603050405020304" pitchFamily="18" charset="0"/>
+              </a:rPr>
+              <a:t>OBJECTIVE</a:t>
+            </a:r>
+            <a:endParaRPr lang="en-IN" sz="3200" b="1" u="sng" dirty="0">
+              <a:latin typeface="Times New Roman" panose="02020603050405020304" pitchFamily="18" charset="0"/>
+              <a:cs typeface="Times New Roman" panose="02020603050405020304" pitchFamily="18" charset="0"/>
+            </a:endParaRPr>
+          </a:p>
+        </p:txBody>
+      </p:sp>
+      <p:sp>
+        <p:nvSpPr>
+          <p:cNvPr id="3" name="Content Placeholder 2"/>
+          <p:cNvSpPr>
+            <a:spLocks noGrp="1"/>
+          </p:cNvSpPr>
+          <p:nvPr>
+            <p:ph idx="1"/>
+          </p:nvPr>
+        </p:nvSpPr>
+        <p:spPr>
+          <a:xfrm>
+            <a:off x="1404356" y="1956516"/>
+            <a:ext cx="8915400" cy="3777622"/>
+          </a:xfrm>
+        </p:spPr>
+        <p:txBody>
+          <a:bodyPr>
+            <a:normAutofit/>
+          </a:bodyPr>
+          <a:lstStyle/>
+          <a:p>
+            <a:pPr algn="just"/>
+            <a:r>
+              <a:rPr lang="en-IN" sz="2400" dirty="0">
+                <a:solidFill>
+                  <a:srgbClr val="000000"/>
+                </a:solidFill>
+                <a:latin typeface="Times New Roman" panose="02020603050405020304" pitchFamily="18" charset="0"/>
+                <a:ea typeface="Sylfaen" panose="010A0502050306030303" pitchFamily="18" charset="0"/>
+                <a:cs typeface="Times New Roman" panose="02020603050405020304" pitchFamily="18" charset="0"/>
+              </a:rPr>
+              <a:t>The system is designed for continuous onsite sensing and real time reporting of water quality data where the officials can access the data on the smart phone/PC through </a:t>
+            </a:r>
             <a:r>
               <a:rPr lang="en-IN" sz="2400" dirty="0" smtClean="0">
                 <a:solidFill>
@@ -8106,18 +8999,7 @@
                 <a:ea typeface="Sylfaen" panose="010A0502050306030303" pitchFamily="18" charset="0"/>
                 <a:cs typeface="Times New Roman" panose="02020603050405020304" pitchFamily="18" charset="0"/>
               </a:rPr>
-              <a:t> </a:t>
-            </a:r>
-            <a:r>
-              <a:rPr lang="en-IN" sz="2400" dirty="0">
-                <a:solidFill>
-                  <a:srgbClr val="000000"/>
-                </a:solidFill>
-                <a:latin typeface="Times New Roman" panose="02020603050405020304" pitchFamily="18" charset="0"/>
-                <a:ea typeface="Sylfaen" panose="010A0502050306030303" pitchFamily="18" charset="0"/>
-                <a:cs typeface="Times New Roman" panose="02020603050405020304" pitchFamily="18" charset="0"/>
-              </a:rPr>
-              <a:t>Our proposed system employs use of multiple sensors to measure the parameters, measures the quality of water in real-time for effective action, and is economical, accurate, and required less manpower. </a:t>
+              <a:t>Internet.</a:t>
             </a:r>
             <a:endParaRPr lang="en-IN" sz="2400" dirty="0">
               <a:latin typeface="Times New Roman" panose="02020603050405020304" pitchFamily="18" charset="0"/>
@@ -8129,7 +9011,7 @@
     </p:spTree>
     <p:extLst>
       <p:ext uri="{BB962C8B-B14F-4D97-AF65-F5344CB8AC3E}">
-        <p14:creationId xmlns:p14="http://schemas.microsoft.com/office/powerpoint/2010/main" val="2485041710"/>
+        <p14:creationId xmlns:p14="http://schemas.microsoft.com/office/powerpoint/2010/main" val="1769852829"/>
       </p:ext>
     </p:extLst>
   </p:cSld>
@@ -8166,49 +9048,85 @@
             <p:ph type="title"/>
           </p:nvPr>
         </p:nvSpPr>
-        <p:spPr/>
+        <p:spPr>
+          <a:xfrm>
+            <a:off x="1627009" y="572594"/>
+            <a:ext cx="8911687" cy="1280890"/>
+          </a:xfrm>
+        </p:spPr>
         <p:txBody>
           <a:bodyPr/>
           <a:lstStyle/>
           <a:p>
             <a:r>
-              <a:rPr lang="en-IN" b="1" u="sng" dirty="0" smtClean="0"/>
-              <a:t>BLOCK DIAGRAM</a:t>
-            </a:r>
-            <a:endParaRPr lang="en-IN" b="1" u="sng" dirty="0"/>
-          </a:p>
-        </p:txBody>
-      </p:sp>
-      <p:pic>
-        <p:nvPicPr>
-          <p:cNvPr id="4" name="Content Placeholder 3"/>
-          <p:cNvPicPr>
-            <a:picLocks noGrp="1" noChangeAspect="1"/>
-          </p:cNvPicPr>
+              <a:rPr lang="en-IN" b="1" u="sng" dirty="0" smtClean="0">
+                <a:latin typeface="Times New Roman" panose="02020603050405020304" pitchFamily="18" charset="0"/>
+                <a:cs typeface="Times New Roman" panose="02020603050405020304" pitchFamily="18" charset="0"/>
+              </a:rPr>
+              <a:t>PROPOSED SYSTEM</a:t>
+            </a:r>
+            <a:endParaRPr lang="en-IN" b="1" u="sng" dirty="0">
+              <a:latin typeface="Times New Roman" panose="02020603050405020304" pitchFamily="18" charset="0"/>
+              <a:cs typeface="Times New Roman" panose="02020603050405020304" pitchFamily="18" charset="0"/>
+            </a:endParaRPr>
+          </a:p>
+        </p:txBody>
+      </p:sp>
+      <p:sp>
+        <p:nvSpPr>
+          <p:cNvPr id="3" name="Content Placeholder 2"/>
+          <p:cNvSpPr>
+            <a:spLocks noGrp="1"/>
+          </p:cNvSpPr>
           <p:nvPr>
             <p:ph idx="1"/>
           </p:nvPr>
-        </p:nvPicPr>
-        <p:blipFill>
-          <a:blip r:embed="rId2"/>
-          <a:stretch>
-            <a:fillRect/>
-          </a:stretch>
-        </p:blipFill>
+        </p:nvSpPr>
         <p:spPr>
           <a:xfrm>
-            <a:off x="2452622" y="1775537"/>
-            <a:ext cx="9192292" cy="4676778"/>
+            <a:off x="1198293" y="1451020"/>
+            <a:ext cx="8915400" cy="3777622"/>
           </a:xfrm>
-          <a:prstGeom prst="rect">
-            <a:avLst/>
-          </a:prstGeom>
         </p:spPr>
-      </p:pic>
+        <p:txBody>
+          <a:bodyPr>
+            <a:normAutofit/>
+          </a:bodyPr>
+          <a:lstStyle/>
+          <a:p>
+            <a:r>
+              <a:rPr lang="en-IN" sz="2400" dirty="0" smtClean="0">
+                <a:solidFill>
+                  <a:srgbClr val="000000"/>
+                </a:solidFill>
+                <a:latin typeface="Times New Roman" panose="02020603050405020304" pitchFamily="18" charset="0"/>
+                <a:ea typeface="Sylfaen" panose="010A0502050306030303" pitchFamily="18" charset="0"/>
+                <a:cs typeface="Times New Roman" panose="02020603050405020304" pitchFamily="18" charset="0"/>
+              </a:rPr>
+              <a:t> </a:t>
+            </a:r>
+            <a:r>
+              <a:rPr lang="en-IN" sz="2400" dirty="0">
+                <a:solidFill>
+                  <a:srgbClr val="000000"/>
+                </a:solidFill>
+                <a:latin typeface="Times New Roman" panose="02020603050405020304" pitchFamily="18" charset="0"/>
+                <a:ea typeface="Sylfaen" panose="010A0502050306030303" pitchFamily="18" charset="0"/>
+                <a:cs typeface="Times New Roman" panose="02020603050405020304" pitchFamily="18" charset="0"/>
+              </a:rPr>
+              <a:t>Our proposed system employs use of multiple sensors to measure the parameters, measures the quality of water in real-time for effective action, and is economical, accurate, and required less manpower. </a:t>
+            </a:r>
+            <a:endParaRPr lang="en-IN" sz="2400" dirty="0">
+              <a:latin typeface="Times New Roman" panose="02020603050405020304" pitchFamily="18" charset="0"/>
+              <a:cs typeface="Times New Roman" panose="02020603050405020304" pitchFamily="18" charset="0"/>
+            </a:endParaRPr>
+          </a:p>
+        </p:txBody>
+      </p:sp>
     </p:spTree>
     <p:extLst>
       <p:ext uri="{BB962C8B-B14F-4D97-AF65-F5344CB8AC3E}">
-        <p14:creationId xmlns:p14="http://schemas.microsoft.com/office/powerpoint/2010/main" val="2260787765"/>
+        <p14:creationId xmlns:p14="http://schemas.microsoft.com/office/powerpoint/2010/main" val="2485041710"/>
       </p:ext>
     </p:extLst>
   </p:cSld>
@@ -8245,117 +9163,52 @@
             <p:ph type="title"/>
           </p:nvPr>
         </p:nvSpPr>
+        <p:spPr/>
+        <p:txBody>
+          <a:bodyPr/>
+          <a:lstStyle/>
+          <a:p>
+            <a:r>
+              <a:rPr lang="en-IN" b="1" u="sng" dirty="0" smtClean="0"/>
+              <a:t>BLOCK DIAGRAM</a:t>
+            </a:r>
+            <a:endParaRPr lang="en-IN" b="1" u="sng" dirty="0"/>
+          </a:p>
+        </p:txBody>
+      </p:sp>
+      <p:pic>
+        <p:nvPicPr>
+          <p:cNvPr id="5" name="Content Placeholder 4"/>
+          <p:cNvPicPr>
+            <a:picLocks noGrp="1" noChangeAspect="1"/>
+          </p:cNvPicPr>
+          <p:nvPr>
+            <p:ph idx="1"/>
+          </p:nvPr>
+        </p:nvPicPr>
+        <p:blipFill>
+          <a:blip r:embed="rId2">
+            <a:extLst>
+              <a:ext uri="{28A0092B-C50C-407E-A947-70E740481C1C}">
+                <a14:useLocalDpi xmlns:a14="http://schemas.microsoft.com/office/drawing/2010/main" val="0"/>
+              </a:ext>
+            </a:extLst>
+          </a:blip>
+          <a:stretch>
+            <a:fillRect/>
+          </a:stretch>
+        </p:blipFill>
         <p:spPr>
           <a:xfrm>
-            <a:off x="1691404" y="598352"/>
-            <a:ext cx="8911687" cy="1280890"/>
+            <a:off x="2592925" y="1725770"/>
+            <a:ext cx="3980314" cy="4198512"/>
           </a:xfrm>
         </p:spPr>
-        <p:txBody>
-          <a:bodyPr/>
-          <a:lstStyle/>
-          <a:p>
-            <a:r>
-              <a:rPr lang="en-IN" b="1" u="sng" dirty="0" smtClean="0"/>
-              <a:t>COMPONENTS</a:t>
-            </a:r>
-            <a:endParaRPr lang="en-IN" b="1" u="sng" dirty="0"/>
-          </a:p>
-        </p:txBody>
-      </p:sp>
-      <p:sp>
-        <p:nvSpPr>
-          <p:cNvPr id="3" name="Content Placeholder 2"/>
-          <p:cNvSpPr>
-            <a:spLocks noGrp="1"/>
-          </p:cNvSpPr>
-          <p:nvPr>
-            <p:ph idx="1"/>
-          </p:nvPr>
-        </p:nvSpPr>
-        <p:spPr>
-          <a:xfrm>
-            <a:off x="1185414" y="1644203"/>
-            <a:ext cx="8915400" cy="3777622"/>
-          </a:xfrm>
-        </p:spPr>
-        <p:txBody>
-          <a:bodyPr/>
-          <a:lstStyle/>
-          <a:p>
-            <a:r>
-              <a:rPr lang="en-IN" sz="2400" dirty="0">
-                <a:solidFill>
-                  <a:srgbClr val="000000"/>
-                </a:solidFill>
-                <a:latin typeface="Times New Roman" panose="02020603050405020304" pitchFamily="18" charset="0"/>
-                <a:ea typeface="Sylfaen" panose="010A0502050306030303" pitchFamily="18" charset="0"/>
-                <a:cs typeface="Times New Roman" panose="02020603050405020304" pitchFamily="18" charset="0"/>
-              </a:rPr>
-              <a:t>pH Sensor  pH </a:t>
-            </a:r>
-            <a:endParaRPr lang="en-IN" sz="2400" dirty="0" smtClean="0">
-              <a:solidFill>
-                <a:srgbClr val="000000"/>
-              </a:solidFill>
-              <a:latin typeface="Times New Roman" panose="02020603050405020304" pitchFamily="18" charset="0"/>
-              <a:ea typeface="Sylfaen" panose="010A0502050306030303" pitchFamily="18" charset="0"/>
-              <a:cs typeface="Times New Roman" panose="02020603050405020304" pitchFamily="18" charset="0"/>
-            </a:endParaRPr>
-          </a:p>
-          <a:p>
-            <a:pPr lvl="0"/>
-            <a:r>
-              <a:rPr lang="en-IN" sz="2400" dirty="0">
-                <a:latin typeface="Times New Roman" panose="02020603050405020304" pitchFamily="18" charset="0"/>
-                <a:cs typeface="Times New Roman" panose="02020603050405020304" pitchFamily="18" charset="0"/>
-              </a:rPr>
-              <a:t>Electric Conductivity Sensor  </a:t>
-            </a:r>
-            <a:endParaRPr lang="en-IN" sz="2400" dirty="0" smtClean="0">
-              <a:latin typeface="Times New Roman" panose="02020603050405020304" pitchFamily="18" charset="0"/>
-              <a:cs typeface="Times New Roman" panose="02020603050405020304" pitchFamily="18" charset="0"/>
-            </a:endParaRPr>
-          </a:p>
-          <a:p>
-            <a:r>
-              <a:rPr lang="en-IN" sz="2400" dirty="0">
-                <a:latin typeface="Times New Roman" panose="02020603050405020304" pitchFamily="18" charset="0"/>
-                <a:cs typeface="Times New Roman" panose="02020603050405020304" pitchFamily="18" charset="0"/>
-              </a:rPr>
-              <a:t>Turbidity Sensor </a:t>
-            </a:r>
-            <a:endParaRPr lang="en-IN" sz="2400" dirty="0" smtClean="0">
-              <a:latin typeface="Times New Roman" panose="02020603050405020304" pitchFamily="18" charset="0"/>
-              <a:cs typeface="Times New Roman" panose="02020603050405020304" pitchFamily="18" charset="0"/>
-            </a:endParaRPr>
-          </a:p>
-          <a:p>
-            <a:pPr lvl="0"/>
-            <a:r>
-              <a:rPr lang="en-IN" sz="2400" dirty="0">
-                <a:latin typeface="Times New Roman" panose="02020603050405020304" pitchFamily="18" charset="0"/>
-                <a:cs typeface="Times New Roman" panose="02020603050405020304" pitchFamily="18" charset="0"/>
-              </a:rPr>
-              <a:t>Temperature Sensor </a:t>
-            </a:r>
-          </a:p>
-          <a:p>
-            <a:endParaRPr lang="en-IN" dirty="0"/>
-          </a:p>
-          <a:p>
-            <a:pPr lvl="0"/>
-            <a:endParaRPr lang="en-IN" dirty="0"/>
-          </a:p>
-          <a:p>
-            <a:endParaRPr lang="en-IN" dirty="0"/>
-          </a:p>
-        </p:txBody>
-      </p:sp>
+      </p:pic>
     </p:spTree>
     <p:extLst>
       <p:ext uri="{BB962C8B-B14F-4D97-AF65-F5344CB8AC3E}">
-        <p14:creationId xmlns:p14="http://schemas.microsoft.com/office/powerpoint/2010/main" val="221449538"/>
+        <p14:creationId xmlns:p14="http://schemas.microsoft.com/office/powerpoint/2010/main" val="2260787765"/>
       </p:ext>
     </p:extLst>
   </p:cSld>
@@ -8394,7 +9247,7 @@
         </p:nvSpPr>
         <p:spPr>
           <a:xfrm>
-            <a:off x="1614130" y="611232"/>
+            <a:off x="1691404" y="598352"/>
             <a:ext cx="8911687" cy="1280890"/>
           </a:xfrm>
         </p:spPr>
@@ -8403,54 +9256,85 @@
           <a:lstStyle/>
           <a:p>
             <a:r>
-              <a:rPr lang="en-IN" b="1" u="sng" dirty="0" smtClean="0">
+              <a:rPr lang="en-IN" b="1" u="sng" dirty="0" smtClean="0"/>
+              <a:t>COMPONENTS</a:t>
+            </a:r>
+            <a:endParaRPr lang="en-IN" b="1" u="sng" dirty="0"/>
+          </a:p>
+        </p:txBody>
+      </p:sp>
+      <p:sp>
+        <p:nvSpPr>
+          <p:cNvPr id="3" name="Content Placeholder 2"/>
+          <p:cNvSpPr>
+            <a:spLocks noGrp="1"/>
+          </p:cNvSpPr>
+          <p:nvPr>
+            <p:ph idx="1"/>
+          </p:nvPr>
+        </p:nvSpPr>
+        <p:spPr>
+          <a:xfrm>
+            <a:off x="1185414" y="1644203"/>
+            <a:ext cx="8915400" cy="3777622"/>
+          </a:xfrm>
+        </p:spPr>
+        <p:txBody>
+          <a:bodyPr/>
+          <a:lstStyle/>
+          <a:p>
+            <a:endParaRPr lang="en-IN" sz="2400" dirty="0" smtClean="0">
+              <a:solidFill>
+                <a:srgbClr val="000000"/>
+              </a:solidFill>
+              <a:latin typeface="Times New Roman" panose="02020603050405020304" pitchFamily="18" charset="0"/>
+              <a:ea typeface="Sylfaen" panose="010A0502050306030303" pitchFamily="18" charset="0"/>
+              <a:cs typeface="Times New Roman" panose="02020603050405020304" pitchFamily="18" charset="0"/>
+            </a:endParaRPr>
+          </a:p>
+          <a:p>
+            <a:pPr lvl="0"/>
+            <a:r>
+              <a:rPr lang="en-IN" sz="2400" dirty="0">
                 <a:latin typeface="Times New Roman" panose="02020603050405020304" pitchFamily="18" charset="0"/>
                 <a:cs typeface="Times New Roman" panose="02020603050405020304" pitchFamily="18" charset="0"/>
               </a:rPr>
-              <a:t>TOOLS</a:t>
-            </a:r>
-            <a:endParaRPr lang="en-IN" b="1" u="sng" dirty="0">
+              <a:t>Electric Conductivity Sensor  </a:t>
+            </a:r>
+            <a:endParaRPr lang="en-IN" sz="2400" dirty="0" smtClean="0">
               <a:latin typeface="Times New Roman" panose="02020603050405020304" pitchFamily="18" charset="0"/>
               <a:cs typeface="Times New Roman" panose="02020603050405020304" pitchFamily="18" charset="0"/>
             </a:endParaRPr>
           </a:p>
-        </p:txBody>
-      </p:sp>
-      <p:sp>
-        <p:nvSpPr>
-          <p:cNvPr id="3" name="Content Placeholder 2"/>
-          <p:cNvSpPr>
-            <a:spLocks noGrp="1"/>
-          </p:cNvSpPr>
-          <p:nvPr>
-            <p:ph idx="1"/>
-          </p:nvPr>
-        </p:nvSpPr>
-        <p:spPr>
-          <a:xfrm>
-            <a:off x="1159657" y="1592688"/>
-            <a:ext cx="8915400" cy="4254320"/>
-          </a:xfrm>
-        </p:spPr>
-        <p:txBody>
-          <a:bodyPr/>
-          <a:lstStyle/>
-          <a:p>
-            <a:r>
-              <a:rPr lang="en-IN" dirty="0" smtClean="0"/>
-              <a:t>Front end:- html</a:t>
-            </a:r>
-          </a:p>
-          <a:p>
-            <a:r>
-              <a:rPr lang="en-IN" dirty="0" smtClean="0"/>
-              <a:t>Back end:- </a:t>
-            </a:r>
-            <a:r>
-              <a:rPr lang="en-IN" dirty="0" smtClean="0"/>
-              <a:t>Python</a:t>
-            </a:r>
-            <a:endParaRPr lang="en-IN" dirty="0" smtClean="0"/>
+          <a:p>
+            <a:r>
+              <a:rPr lang="en-IN" sz="2400" dirty="0">
+                <a:latin typeface="Times New Roman" panose="02020603050405020304" pitchFamily="18" charset="0"/>
+                <a:cs typeface="Times New Roman" panose="02020603050405020304" pitchFamily="18" charset="0"/>
+              </a:rPr>
+              <a:t>Turbidity Sensor </a:t>
+            </a:r>
+            <a:endParaRPr lang="en-IN" sz="2400" dirty="0" smtClean="0">
+              <a:latin typeface="Times New Roman" panose="02020603050405020304" pitchFamily="18" charset="0"/>
+              <a:cs typeface="Times New Roman" panose="02020603050405020304" pitchFamily="18" charset="0"/>
+            </a:endParaRPr>
+          </a:p>
+          <a:p>
+            <a:pPr lvl="0"/>
+            <a:r>
+              <a:rPr lang="en-IN" sz="2400" dirty="0">
+                <a:latin typeface="Times New Roman" panose="02020603050405020304" pitchFamily="18" charset="0"/>
+                <a:cs typeface="Times New Roman" panose="02020603050405020304" pitchFamily="18" charset="0"/>
+              </a:rPr>
+              <a:t>Temperature Sensor </a:t>
+            </a:r>
+          </a:p>
+          <a:p>
+            <a:endParaRPr lang="en-IN" dirty="0"/>
+          </a:p>
+          <a:p>
+            <a:pPr lvl="0"/>
+            <a:endParaRPr lang="en-IN" dirty="0"/>
           </a:p>
           <a:p>
             <a:endParaRPr lang="en-IN" dirty="0"/>
@@ -8460,7 +9344,7 @@
     </p:spTree>
     <p:extLst>
       <p:ext uri="{BB962C8B-B14F-4D97-AF65-F5344CB8AC3E}">
-        <p14:creationId xmlns:p14="http://schemas.microsoft.com/office/powerpoint/2010/main" val="886897720"/>
+        <p14:creationId xmlns:p14="http://schemas.microsoft.com/office/powerpoint/2010/main" val="221449538"/>
       </p:ext>
     </p:extLst>
   </p:cSld>
@@ -8499,7 +9383,7 @@
         </p:nvSpPr>
         <p:spPr>
           <a:xfrm>
-            <a:off x="1807314" y="482442"/>
+            <a:off x="1614130" y="611232"/>
             <a:ext cx="8911687" cy="1280890"/>
           </a:xfrm>
         </p:spPr>
@@ -8508,10 +9392,16 @@
           <a:lstStyle/>
           <a:p>
             <a:r>
-              <a:rPr lang="en-IN" b="1" u="sng" dirty="0" smtClean="0"/>
-              <a:t>REFERENCE</a:t>
-            </a:r>
-            <a:endParaRPr lang="en-IN" b="1" u="sng" dirty="0"/>
+              <a:rPr lang="en-IN" b="1" u="sng" dirty="0" smtClean="0">
+                <a:latin typeface="Times New Roman" panose="02020603050405020304" pitchFamily="18" charset="0"/>
+                <a:cs typeface="Times New Roman" panose="02020603050405020304" pitchFamily="18" charset="0"/>
+              </a:rPr>
+              <a:t>TOOLS</a:t>
+            </a:r>
+            <a:endParaRPr lang="en-IN" b="1" u="sng" dirty="0">
+              <a:latin typeface="Times New Roman" panose="02020603050405020304" pitchFamily="18" charset="0"/>
+              <a:cs typeface="Times New Roman" panose="02020603050405020304" pitchFamily="18" charset="0"/>
+            </a:endParaRPr>
           </a:p>
         </p:txBody>
       </p:sp>
@@ -8527,8 +9417,8 @@
         </p:nvSpPr>
         <p:spPr>
           <a:xfrm>
-            <a:off x="1807314" y="2069206"/>
-            <a:ext cx="8915400" cy="3777622"/>
+            <a:off x="1159657" y="1592688"/>
+            <a:ext cx="8915400" cy="4254320"/>
           </a:xfrm>
         </p:spPr>
         <p:txBody>
@@ -8536,60 +9426,65 @@
           <a:lstStyle/>
           <a:p>
             <a:r>
-              <a:rPr lang="en-IN" dirty="0" smtClean="0"/>
-              <a:t>International Journal of scientific Research in computer science for </a:t>
-            </a:r>
-            <a:r>
-              <a:rPr lang="en-IN" dirty="0" err="1" smtClean="0"/>
-              <a:t>Iot</a:t>
-            </a:r>
-            <a:r>
-              <a:rPr lang="en-IN" dirty="0" smtClean="0"/>
-              <a:t> based water quality monitoring system,2018</a:t>
-            </a:r>
-          </a:p>
-          <a:p>
-            <a:r>
-              <a:rPr lang="en-IN" dirty="0" smtClean="0"/>
-              <a:t>R.M. </a:t>
-            </a:r>
-            <a:r>
-              <a:rPr lang="en-IN" dirty="0" err="1" smtClean="0"/>
-              <a:t>Bhardwaj,”Overview</a:t>
-            </a:r>
-            <a:r>
-              <a:rPr lang="en-IN" dirty="0" smtClean="0"/>
-              <a:t> of Ganga river </a:t>
-            </a:r>
-            <a:r>
-              <a:rPr lang="en-IN" dirty="0" err="1" smtClean="0"/>
-              <a:t>pollution”,Delhi</a:t>
-            </a:r>
-            <a:r>
-              <a:rPr lang="en-IN" dirty="0" smtClean="0"/>
-              <a:t> 2011</a:t>
-            </a:r>
-          </a:p>
-          <a:p>
-            <a:r>
-              <a:rPr lang="en-IN" dirty="0" smtClean="0"/>
-              <a:t>“Literature survey on wireless sensor </a:t>
-            </a:r>
-            <a:r>
-              <a:rPr lang="en-IN" dirty="0" err="1" smtClean="0"/>
-              <a:t>network”,University</a:t>
-            </a:r>
-            <a:r>
-              <a:rPr lang="en-IN" dirty="0" smtClean="0"/>
-              <a:t> of Maryland,16 </a:t>
-            </a:r>
-            <a:r>
-              <a:rPr lang="en-IN" dirty="0" err="1" smtClean="0"/>
-              <a:t>july</a:t>
-            </a:r>
-            <a:r>
-              <a:rPr lang="en-IN" dirty="0" smtClean="0"/>
-              <a:t> 2003</a:t>
+              <a:rPr lang="en-IN" sz="2400" dirty="0" smtClean="0">
+                <a:latin typeface="Times New Roman" panose="02020603050405020304" pitchFamily="18" charset="0"/>
+                <a:cs typeface="Times New Roman" panose="02020603050405020304" pitchFamily="18" charset="0"/>
+              </a:rPr>
+              <a:t>FRONT END:- </a:t>
+            </a:r>
+          </a:p>
+          <a:p>
+            <a:pPr marL="0" indent="0">
+              <a:buNone/>
+            </a:pPr>
+            <a:r>
+              <a:rPr lang="en-IN" sz="2400" dirty="0" smtClean="0">
+                <a:latin typeface="Times New Roman" panose="02020603050405020304" pitchFamily="18" charset="0"/>
+                <a:cs typeface="Times New Roman" panose="02020603050405020304" pitchFamily="18" charset="0"/>
+              </a:rPr>
+              <a:t>                Hardware and application</a:t>
+            </a:r>
+          </a:p>
+          <a:p>
+            <a:r>
+              <a:rPr lang="en-IN" sz="2400" dirty="0" smtClean="0">
+                <a:latin typeface="Times New Roman" panose="02020603050405020304" pitchFamily="18" charset="0"/>
+                <a:cs typeface="Times New Roman" panose="02020603050405020304" pitchFamily="18" charset="0"/>
+              </a:rPr>
+              <a:t>BACK END:-</a:t>
+            </a:r>
+          </a:p>
+          <a:p>
+            <a:pPr marL="0" indent="0">
+              <a:buNone/>
+            </a:pPr>
+            <a:r>
+              <a:rPr lang="en-IN" sz="2400" dirty="0">
+                <a:latin typeface="Times New Roman" panose="02020603050405020304" pitchFamily="18" charset="0"/>
+                <a:cs typeface="Times New Roman" panose="02020603050405020304" pitchFamily="18" charset="0"/>
+              </a:rPr>
+              <a:t> </a:t>
+            </a:r>
+            <a:r>
+              <a:rPr lang="en-IN" sz="2400" dirty="0" smtClean="0">
+                <a:latin typeface="Times New Roman" panose="02020603050405020304" pitchFamily="18" charset="0"/>
+                <a:cs typeface="Times New Roman" panose="02020603050405020304" pitchFamily="18" charset="0"/>
+              </a:rPr>
+              <a:t>               </a:t>
+            </a:r>
+            <a:r>
+              <a:rPr lang="en-IN" sz="2400" dirty="0" err="1" smtClean="0">
+                <a:latin typeface="Times New Roman" panose="02020603050405020304" pitchFamily="18" charset="0"/>
+                <a:cs typeface="Times New Roman" panose="02020603050405020304" pitchFamily="18" charset="0"/>
+              </a:rPr>
+              <a:t>PHP,Embedded</a:t>
+            </a:r>
+            <a:r>
+              <a:rPr lang="en-IN" sz="2400" dirty="0" smtClean="0">
+                <a:latin typeface="Times New Roman" panose="02020603050405020304" pitchFamily="18" charset="0"/>
+                <a:cs typeface="Times New Roman" panose="02020603050405020304" pitchFamily="18" charset="0"/>
+              </a:rPr>
+              <a:t> c</a:t>
             </a:r>
           </a:p>
           <a:p>
@@ -8600,7 +9495,7 @@
     </p:spTree>
     <p:extLst>
       <p:ext uri="{BB962C8B-B14F-4D97-AF65-F5344CB8AC3E}">
-        <p14:creationId xmlns:p14="http://schemas.microsoft.com/office/powerpoint/2010/main" val="881636709"/>
+        <p14:creationId xmlns:p14="http://schemas.microsoft.com/office/powerpoint/2010/main" val="886897720"/>
       </p:ext>
     </p:extLst>
   </p:cSld>
@@ -8629,6 +9524,29 @@
       </p:grpSpPr>
       <p:sp>
         <p:nvSpPr>
+          <p:cNvPr id="2" name="Title 1"/>
+          <p:cNvSpPr>
+            <a:spLocks noGrp="1"/>
+          </p:cNvSpPr>
+          <p:nvPr>
+            <p:ph type="title"/>
+          </p:nvPr>
+        </p:nvSpPr>
+        <p:spPr/>
+        <p:txBody>
+          <a:bodyPr/>
+          <a:lstStyle/>
+          <a:p>
+            <a:r>
+              <a:rPr lang="en-IN" b="1" u="sng" dirty="0" smtClean="0"/>
+              <a:t>MODULES</a:t>
+            </a:r>
+            <a:endParaRPr lang="en-IN" b="1" u="sng" dirty="0"/>
+          </a:p>
+        </p:txBody>
+      </p:sp>
+      <p:sp>
+        <p:nvSpPr>
           <p:cNvPr id="3" name="Content Placeholder 2"/>
           <p:cNvSpPr>
             <a:spLocks noGrp="1"/>
@@ -8644,21 +9562,51 @@
           </a:bodyPr>
           <a:lstStyle/>
           <a:p>
-            <a:pPr marL="0" indent="0">
-              <a:buNone/>
-            </a:pPr>
-            <a:r>
-              <a:rPr lang="en-IN" sz="8000" dirty="0" smtClean="0"/>
-              <a:t>THANKYOU</a:t>
-            </a:r>
-            <a:endParaRPr lang="en-IN" sz="8000" dirty="0"/>
+            <a:r>
+              <a:rPr lang="en-IN" sz="2400" dirty="0" smtClean="0">
+                <a:latin typeface="Times New Roman" panose="02020603050405020304" pitchFamily="18" charset="0"/>
+                <a:cs typeface="Times New Roman" panose="02020603050405020304" pitchFamily="18" charset="0"/>
+              </a:rPr>
+              <a:t>Data collection</a:t>
+            </a:r>
+          </a:p>
+          <a:p>
+            <a:r>
+              <a:rPr lang="en-IN" sz="2400" dirty="0" smtClean="0">
+                <a:latin typeface="Times New Roman" panose="02020603050405020304" pitchFamily="18" charset="0"/>
+                <a:cs typeface="Times New Roman" panose="02020603050405020304" pitchFamily="18" charset="0"/>
+              </a:rPr>
+              <a:t>Data processing</a:t>
+            </a:r>
+          </a:p>
+          <a:p>
+            <a:r>
+              <a:rPr lang="en-IN" sz="2400" dirty="0" smtClean="0">
+                <a:latin typeface="Times New Roman" panose="02020603050405020304" pitchFamily="18" charset="0"/>
+                <a:cs typeface="Times New Roman" panose="02020603050405020304" pitchFamily="18" charset="0"/>
+              </a:rPr>
+              <a:t>Data sending to server</a:t>
+            </a:r>
+          </a:p>
+          <a:p>
+            <a:r>
+              <a:rPr lang="en-IN" sz="2400" dirty="0" smtClean="0">
+                <a:latin typeface="Times New Roman" panose="02020603050405020304" pitchFamily="18" charset="0"/>
+                <a:cs typeface="Times New Roman" panose="02020603050405020304" pitchFamily="18" charset="0"/>
+              </a:rPr>
+              <a:t>User access</a:t>
+            </a:r>
+            <a:endParaRPr lang="en-IN" sz="2400" dirty="0">
+              <a:latin typeface="Times New Roman" panose="02020603050405020304" pitchFamily="18" charset="0"/>
+              <a:cs typeface="Times New Roman" panose="02020603050405020304" pitchFamily="18" charset="0"/>
+            </a:endParaRPr>
           </a:p>
         </p:txBody>
       </p:sp>
     </p:spTree>
     <p:extLst>
       <p:ext uri="{BB962C8B-B14F-4D97-AF65-F5344CB8AC3E}">
-        <p14:creationId xmlns:p14="http://schemas.microsoft.com/office/powerpoint/2010/main" val="1623033629"/>
+        <p14:creationId xmlns:p14="http://schemas.microsoft.com/office/powerpoint/2010/main" val="2411752672"/>
       </p:ext>
     </p:extLst>
   </p:cSld>
